--- a/mhdposter.pptx
+++ b/mhdposter.pptx
@@ -104,6 +104,11 @@
       </a:defRPr>
     </a:lvl9pPr>
   </p:defaultTextStyle>
+  <p:extLst>
+    <p:ext uri="{EFAFB233-063F-42B5-8137-9DF3F51BA10A}">
+      <p15:sldGuideLst xmlns:p15="http://schemas.microsoft.com/office/powerpoint/2012/main"/>
+    </p:ext>
+  </p:extLst>
 </p:presentation>
 </file>
 
@@ -238,7 +243,7 @@
           <a:p>
             <a:fld id="{E1C8DF4F-1872-4B2B-B9E4-3B09CA3D6657}" type="datetimeFigureOut">
               <a:rPr lang="en-US" smtClean="0"/>
-              <a:t>4/18/2018</a:t>
+              <a:t>4/26/2018</a:t>
             </a:fld>
             <a:endParaRPr lang="en-US"/>
           </a:p>
@@ -408,7 +413,7 @@
           <a:p>
             <a:fld id="{E1C8DF4F-1872-4B2B-B9E4-3B09CA3D6657}" type="datetimeFigureOut">
               <a:rPr lang="en-US" smtClean="0"/>
-              <a:t>4/18/2018</a:t>
+              <a:t>4/26/2018</a:t>
             </a:fld>
             <a:endParaRPr lang="en-US"/>
           </a:p>
@@ -588,7 +593,7 @@
           <a:p>
             <a:fld id="{E1C8DF4F-1872-4B2B-B9E4-3B09CA3D6657}" type="datetimeFigureOut">
               <a:rPr lang="en-US" smtClean="0"/>
-              <a:t>4/18/2018</a:t>
+              <a:t>4/26/2018</a:t>
             </a:fld>
             <a:endParaRPr lang="en-US"/>
           </a:p>
@@ -758,7 +763,7 @@
           <a:p>
             <a:fld id="{E1C8DF4F-1872-4B2B-B9E4-3B09CA3D6657}" type="datetimeFigureOut">
               <a:rPr lang="en-US" smtClean="0"/>
-              <a:t>4/18/2018</a:t>
+              <a:t>4/26/2018</a:t>
             </a:fld>
             <a:endParaRPr lang="en-US"/>
           </a:p>
@@ -1002,7 +1007,7 @@
           <a:p>
             <a:fld id="{E1C8DF4F-1872-4B2B-B9E4-3B09CA3D6657}" type="datetimeFigureOut">
               <a:rPr lang="en-US" smtClean="0"/>
-              <a:t>4/18/2018</a:t>
+              <a:t>4/26/2018</a:t>
             </a:fld>
             <a:endParaRPr lang="en-US"/>
           </a:p>
@@ -1234,7 +1239,7 @@
           <a:p>
             <a:fld id="{E1C8DF4F-1872-4B2B-B9E4-3B09CA3D6657}" type="datetimeFigureOut">
               <a:rPr lang="en-US" smtClean="0"/>
-              <a:t>4/18/2018</a:t>
+              <a:t>4/26/2018</a:t>
             </a:fld>
             <a:endParaRPr lang="en-US"/>
           </a:p>
@@ -1601,7 +1606,7 @@
           <a:p>
             <a:fld id="{E1C8DF4F-1872-4B2B-B9E4-3B09CA3D6657}" type="datetimeFigureOut">
               <a:rPr lang="en-US" smtClean="0"/>
-              <a:t>4/18/2018</a:t>
+              <a:t>4/26/2018</a:t>
             </a:fld>
             <a:endParaRPr lang="en-US"/>
           </a:p>
@@ -1719,7 +1724,7 @@
           <a:p>
             <a:fld id="{E1C8DF4F-1872-4B2B-B9E4-3B09CA3D6657}" type="datetimeFigureOut">
               <a:rPr lang="en-US" smtClean="0"/>
-              <a:t>4/18/2018</a:t>
+              <a:t>4/26/2018</a:t>
             </a:fld>
             <a:endParaRPr lang="en-US"/>
           </a:p>
@@ -1814,7 +1819,7 @@
           <a:p>
             <a:fld id="{E1C8DF4F-1872-4B2B-B9E4-3B09CA3D6657}" type="datetimeFigureOut">
               <a:rPr lang="en-US" smtClean="0"/>
-              <a:t>4/18/2018</a:t>
+              <a:t>4/26/2018</a:t>
             </a:fld>
             <a:endParaRPr lang="en-US"/>
           </a:p>
@@ -2091,7 +2096,7 @@
           <a:p>
             <a:fld id="{E1C8DF4F-1872-4B2B-B9E4-3B09CA3D6657}" type="datetimeFigureOut">
               <a:rPr lang="en-US" smtClean="0"/>
-              <a:t>4/18/2018</a:t>
+              <a:t>4/26/2018</a:t>
             </a:fld>
             <a:endParaRPr lang="en-US"/>
           </a:p>
@@ -2348,7 +2353,7 @@
           <a:p>
             <a:fld id="{E1C8DF4F-1872-4B2B-B9E4-3B09CA3D6657}" type="datetimeFigureOut">
               <a:rPr lang="en-US" smtClean="0"/>
-              <a:t>4/18/2018</a:t>
+              <a:t>4/26/2018</a:t>
             </a:fld>
             <a:endParaRPr lang="en-US"/>
           </a:p>
@@ -2561,7 +2566,7 @@
           <a:p>
             <a:fld id="{E1C8DF4F-1872-4B2B-B9E4-3B09CA3D6657}" type="datetimeFigureOut">
               <a:rPr lang="en-US" smtClean="0"/>
-              <a:t>4/18/2018</a:t>
+              <a:t>4/26/2018</a:t>
             </a:fld>
             <a:endParaRPr lang="en-US"/>
           </a:p>
@@ -3010,8 +3015,8 @@
         </p:nvSpPr>
         <p:spPr>
           <a:xfrm>
-            <a:off x="9601200" y="762000"/>
-            <a:ext cx="26517600" cy="1446550"/>
+            <a:off x="8330501" y="103258"/>
+            <a:ext cx="26517600" cy="2062103"/>
           </a:xfrm>
           <a:prstGeom prst="rect">
             <a:avLst/>
@@ -3031,6 +3036,16 @@
                 <a:cs typeface="Arial" panose="020B0604020202020204" pitchFamily="34" charset="0"/>
               </a:rPr>
               <a:t>Study of Computational Magnetohydrodynamics</a:t>
+            </a:r>
+          </a:p>
+          <a:p>
+            <a:pPr algn="ctr"/>
+            <a:r>
+              <a:rPr lang="en-US" sz="4000" dirty="0">
+                <a:latin typeface="Arial" panose="020B0604020202020204" pitchFamily="34" charset="0"/>
+                <a:cs typeface="Arial" panose="020B0604020202020204" pitchFamily="34" charset="0"/>
+              </a:rPr>
+              <a:t>Garrett King and Katie Schram</a:t>
             </a:r>
           </a:p>
         </p:txBody>
@@ -3049,8 +3064,8 @@
         </p:nvSpPr>
         <p:spPr>
           <a:xfrm>
-            <a:off x="248992" y="79513"/>
-            <a:ext cx="10363201" cy="30285214"/>
+            <a:off x="138459" y="2208550"/>
+            <a:ext cx="10330277" cy="20959584"/>
           </a:xfrm>
           <a:prstGeom prst="rect">
             <a:avLst/>
@@ -3074,13 +3089,23 @@
             </a:r>
           </a:p>
           <a:p>
-            <a:r>
-              <a:rPr lang="en-US" sz="6600" dirty="0"/>
-              <a:t>	</a:t>
-            </a:r>
+            <a:pPr marL="685800" indent="-685800">
+              <a:buFont typeface="Arial" panose="020B0604020202020204" pitchFamily="34" charset="0"/>
+              <a:buChar char="•"/>
+            </a:pPr>
             <a:r>
               <a:rPr lang="en-US" sz="4800" dirty="0"/>
-              <a:t>Magnetohydrodynamics (MHD) is a theoretical framework to describe the macroscopic dynamics of plasmas. Assuming the flows of the fluids are incompressible, MHD can be formulated as a set of four equations[1]:</a:t>
+              <a:t>Magnetohydrodynamics (MHD) is a theoretical framework to describe the macroscopic dynamics of plasmas.</a:t>
+            </a:r>
+          </a:p>
+          <a:p>
+            <a:pPr marL="685800" indent="-685800">
+              <a:buFont typeface="Arial" panose="020B0604020202020204" pitchFamily="34" charset="0"/>
+              <a:buChar char="•"/>
+            </a:pPr>
+            <a:r>
+              <a:rPr lang="en-US" sz="4800" dirty="0"/>
+              <a:t>Assuming incompressible flow, MHD can be formulated as [1]:</a:t>
             </a:r>
           </a:p>
           <a:p>
@@ -3096,33 +3121,53 @@
             <a:endParaRPr lang="en-US" sz="4800" b="1" dirty="0"/>
           </a:p>
           <a:p>
+            <a:pPr marL="685800" indent="-685800">
+              <a:buFont typeface="Arial" panose="020B0604020202020204" pitchFamily="34" charset="0"/>
+              <a:buChar char="•"/>
+            </a:pPr>
             <a:r>
               <a:rPr lang="en-US" sz="4800" dirty="0"/>
-              <a:t>Where </a:t>
-            </a:r>
-            <a:r>
-              <a:rPr lang="en-US" sz="4800" b="1" dirty="0"/>
-              <a:t>B </a:t>
-            </a:r>
+              <a:t>Decaying dynamos are important MHD objects with connections with astrophysics and energetics[2]</a:t>
+            </a:r>
+          </a:p>
+          <a:p>
+            <a:pPr marL="685800" indent="-685800">
+              <a:buFont typeface="Arial" panose="020B0604020202020204" pitchFamily="34" charset="0"/>
+              <a:buChar char="•"/>
+            </a:pPr>
             <a:r>
               <a:rPr lang="en-US" sz="4800" dirty="0"/>
-              <a:t>is the magnetic field, </a:t>
-            </a:r>
-            <a:r>
-              <a:rPr lang="en-US" sz="4800" b="1" dirty="0"/>
-              <a:t>U </a:t>
-            </a:r>
+              <a:t>The currents in the plasma give rise to a magnetic field</a:t>
+            </a:r>
+          </a:p>
+          <a:p>
+            <a:pPr marL="685800" indent="-685800">
+              <a:buFont typeface="Arial" panose="020B0604020202020204" pitchFamily="34" charset="0"/>
+              <a:buChar char="•"/>
+            </a:pPr>
             <a:r>
               <a:rPr lang="en-US" sz="4800" dirty="0"/>
-              <a:t>is the velocity field, and P is the pressure. Decaying dynamos are important MHD objects to understand because of their connections with astrophysics and energetics. The decaying dynamo gives rise to a magnetic field and converts kinetic energy to magnetic energy. The evolution of these dynamos could let us understand the temporal evolution of the solar and terrestrial magnetic fields[2]. Dynamo action has been shown to arise from forced Taylor-Green </a:t>
-            </a:r>
-            <a:r>
-              <a:rPr lang="en-US" sz="4800" dirty="0" err="1"/>
-              <a:t>votices</a:t>
-            </a:r>
+              <a:t>The evolution of these dynamos could let us understand the evolution of magnetic fields of different bodies[2].</a:t>
+            </a:r>
+          </a:p>
+          <a:p>
+            <a:pPr marL="685800" indent="-685800">
+              <a:buFont typeface="Arial" panose="020B0604020202020204" pitchFamily="34" charset="0"/>
+              <a:buChar char="•"/>
+            </a:pPr>
             <a:r>
               <a:rPr lang="en-US" sz="4800" dirty="0"/>
-              <a:t>[3]. The equations for the velocity field of these dynamos are[2,5]: </a:t>
+              <a:t>Dynamo action has been shown to arise from forced Taylor-Green (TG) vortices[3].</a:t>
+            </a:r>
+          </a:p>
+          <a:p>
+            <a:pPr marL="685800" indent="-685800">
+              <a:buFont typeface="Arial" panose="020B0604020202020204" pitchFamily="34" charset="0"/>
+              <a:buChar char="•"/>
+            </a:pPr>
+            <a:r>
+              <a:rPr lang="en-US" sz="4800" dirty="0"/>
+              <a:t> The equations for the velocity field of these dynamos are[2,4]: </a:t>
             </a:r>
           </a:p>
           <a:p>
@@ -3130,15 +3175,6 @@
           </a:p>
           <a:p>
             <a:endParaRPr lang="en-US" sz="4800" dirty="0"/>
-          </a:p>
-          <a:p>
-            <a:endParaRPr lang="en-US" sz="4800" dirty="0"/>
-          </a:p>
-          <a:p>
-            <a:r>
-              <a:rPr lang="en-US" sz="4800" dirty="0"/>
-              <a:t>The goal of this study was to understand how the magnetic field and plasma dynamics are interconnected and if we could model the temporal evolution of one of these magnetic fields. The initial conditions on the Alfven velocity, given by the magnetic field over the density of the plasma, are:</a:t>
-            </a:r>
           </a:p>
           <a:p>
             <a:endParaRPr lang="en-US" sz="4800" dirty="0"/>
@@ -3179,7 +3215,7 @@
         </p:blipFill>
         <p:spPr>
           <a:xfrm>
-            <a:off x="1328438" y="5939144"/>
+            <a:off x="827668" y="7074435"/>
             <a:ext cx="8204308" cy="2688021"/>
           </a:xfrm>
           <a:prstGeom prst="rect">
@@ -3201,10 +3237,10 @@
         </p:nvGrpSpPr>
         <p:grpSpPr>
           <a:xfrm>
-            <a:off x="10831294" y="2748238"/>
-            <a:ext cx="7534563" cy="8833609"/>
+            <a:off x="654254" y="23972050"/>
+            <a:ext cx="9298685" cy="8110324"/>
             <a:chOff x="10831294" y="2748238"/>
-            <a:chExt cx="7534563" cy="8833609"/>
+            <a:chExt cx="7534563" cy="8267589"/>
           </a:xfrm>
         </p:grpSpPr>
         <p:pic>
@@ -3258,7 +3294,7 @@
           <p:spPr>
             <a:xfrm>
               <a:off x="10831294" y="8411748"/>
-              <a:ext cx="7419561" cy="3170099"/>
+              <a:ext cx="7419561" cy="2604079"/>
             </a:xfrm>
             <a:prstGeom prst="rect">
               <a:avLst/>
@@ -3276,185 +3312,8 @@
                   <a:latin typeface="Arial" panose="020B0604020202020204" pitchFamily="34" charset="0"/>
                   <a:cs typeface="Arial" panose="020B0604020202020204" pitchFamily="34" charset="0"/>
                 </a:rPr>
-                <a:t>Figure 1: An image of the Sun’s corona from [5]. MHD Calculations can give model the solar magnetic field and jets in its corona. </a:t>
+                <a:t>Figure 1: An image of the Sun’s corona from [6]. MHD Calculations can model the solar magnetic field and jets in its corona. </a:t>
               </a:r>
-            </a:p>
-          </p:txBody>
-        </p:sp>
-      </p:grpSp>
-      <p:grpSp>
-        <p:nvGrpSpPr>
-          <p:cNvPr id="34" name="Group 33">
-            <a:extLst>
-              <a:ext uri="{FF2B5EF4-FFF2-40B4-BE49-F238E27FC236}">
-                <a16:creationId xmlns:a16="http://schemas.microsoft.com/office/drawing/2014/main" id="{2D012217-694E-45D3-9912-30DED2542305}"/>
-              </a:ext>
-            </a:extLst>
-          </p:cNvPr>
-          <p:cNvGrpSpPr/>
-          <p:nvPr/>
-        </p:nvGrpSpPr>
-        <p:grpSpPr>
-          <a:xfrm>
-            <a:off x="30529788" y="4685178"/>
-            <a:ext cx="12032974" cy="7453140"/>
-            <a:chOff x="10946296" y="11680686"/>
-            <a:chExt cx="12032974" cy="7453140"/>
-          </a:xfrm>
-        </p:grpSpPr>
-        <p:grpSp>
-          <p:nvGrpSpPr>
-            <p:cNvPr id="25" name="Group 24">
-              <a:extLst>
-                <a:ext uri="{FF2B5EF4-FFF2-40B4-BE49-F238E27FC236}">
-                  <a16:creationId xmlns:a16="http://schemas.microsoft.com/office/drawing/2014/main" id="{57F3CC72-2823-47BC-9A2A-7DA1F5B39B64}"/>
-                </a:ext>
-              </a:extLst>
-            </p:cNvPr>
-            <p:cNvGrpSpPr/>
-            <p:nvPr/>
-          </p:nvGrpSpPr>
-          <p:grpSpPr>
-            <a:xfrm>
-              <a:off x="10946296" y="11680686"/>
-              <a:ext cx="12032974" cy="4778514"/>
-              <a:chOff x="18287992" y="13715994"/>
-              <a:chExt cx="14630399" cy="5486411"/>
-            </a:xfrm>
-          </p:grpSpPr>
-          <p:pic>
-            <p:nvPicPr>
-              <p:cNvPr id="22" name="Picture 21">
-                <a:extLst>
-                  <a:ext uri="{FF2B5EF4-FFF2-40B4-BE49-F238E27FC236}">
-                    <a16:creationId xmlns:a16="http://schemas.microsoft.com/office/drawing/2014/main" id="{477D429B-D7EE-4EF6-A0FB-11993A7CB35C}"/>
-                  </a:ext>
-                </a:extLst>
-              </p:cNvPr>
-              <p:cNvPicPr>
-                <a:picLocks noChangeAspect="1"/>
-              </p:cNvPicPr>
-              <p:nvPr/>
-            </p:nvPicPr>
-            <p:blipFill>
-              <a:blip r:embed="rId4">
-                <a:extLst>
-                  <a:ext uri="{28A0092B-C50C-407E-A947-70E740481C1C}">
-                    <a14:useLocalDpi xmlns:a14="http://schemas.microsoft.com/office/drawing/2010/main" val="0"/>
-                  </a:ext>
-                </a:extLst>
-              </a:blip>
-              <a:stretch>
-                <a:fillRect/>
-              </a:stretch>
-            </p:blipFill>
-            <p:spPr>
-              <a:xfrm>
-                <a:off x="18287992" y="13715994"/>
-                <a:ext cx="7315215" cy="5486411"/>
-              </a:xfrm>
-              <a:prstGeom prst="rect">
-                <a:avLst/>
-              </a:prstGeom>
-            </p:spPr>
-          </p:pic>
-          <p:pic>
-            <p:nvPicPr>
-              <p:cNvPr id="24" name="Picture 23">
-                <a:extLst>
-                  <a:ext uri="{FF2B5EF4-FFF2-40B4-BE49-F238E27FC236}">
-                    <a16:creationId xmlns:a16="http://schemas.microsoft.com/office/drawing/2014/main" id="{1C19D7A1-D578-4536-AB2E-0877297356EE}"/>
-                  </a:ext>
-                </a:extLst>
-              </p:cNvPr>
-              <p:cNvPicPr>
-                <a:picLocks noChangeAspect="1"/>
-              </p:cNvPicPr>
-              <p:nvPr/>
-            </p:nvPicPr>
-            <p:blipFill>
-              <a:blip r:embed="rId5">
-                <a:extLst>
-                  <a:ext uri="{28A0092B-C50C-407E-A947-70E740481C1C}">
-                    <a14:useLocalDpi xmlns:a14="http://schemas.microsoft.com/office/drawing/2010/main" val="0"/>
-                  </a:ext>
-                </a:extLst>
-              </a:blip>
-              <a:stretch>
-                <a:fillRect/>
-              </a:stretch>
-            </p:blipFill>
-            <p:spPr>
-              <a:xfrm>
-                <a:off x="25603176" y="13715994"/>
-                <a:ext cx="7315215" cy="5486411"/>
-              </a:xfrm>
-              <a:prstGeom prst="rect">
-                <a:avLst/>
-              </a:prstGeom>
-            </p:spPr>
-          </p:pic>
-        </p:grpSp>
-        <p:sp>
-          <p:nvSpPr>
-            <p:cNvPr id="27" name="TextBox 26">
-              <a:extLst>
-                <a:ext uri="{FF2B5EF4-FFF2-40B4-BE49-F238E27FC236}">
-                  <a16:creationId xmlns:a16="http://schemas.microsoft.com/office/drawing/2014/main" id="{A4B4AFDF-49FE-48DE-97D0-EF24E5F9DD00}"/>
-                </a:ext>
-              </a:extLst>
-            </p:cNvPr>
-            <p:cNvSpPr txBox="1"/>
-            <p:nvPr/>
-          </p:nvSpPr>
-          <p:spPr>
-            <a:xfrm>
-              <a:off x="11067222" y="16579281"/>
-              <a:ext cx="11912048" cy="2554545"/>
-            </a:xfrm>
-            <a:prstGeom prst="rect">
-              <a:avLst/>
-            </a:prstGeom>
-            <a:noFill/>
-          </p:spPr>
-          <p:txBody>
-            <a:bodyPr wrap="square" rtlCol="0">
-              <a:spAutoFit/>
-            </a:bodyPr>
-            <a:lstStyle/>
-            <a:p>
-              <a:r>
-                <a:rPr lang="en-US" sz="4000" dirty="0">
-                  <a:latin typeface="Arial" panose="020B0604020202020204" pitchFamily="34" charset="0"/>
-                  <a:cs typeface="Arial" panose="020B0604020202020204" pitchFamily="34" charset="0"/>
-                </a:rPr>
-                <a:t>Figure 4: An example output from </a:t>
-              </a:r>
-              <a:r>
-                <a:rPr lang="en-US" sz="4000" i="1" dirty="0">
-                  <a:latin typeface="Arial" panose="020B0604020202020204" pitchFamily="34" charset="0"/>
-                  <a:cs typeface="Arial" panose="020B0604020202020204" pitchFamily="34" charset="0"/>
-                </a:rPr>
-                <a:t>pyro. </a:t>
-              </a:r>
-              <a:r>
-                <a:rPr lang="en-US" sz="4000" dirty="0">
-                  <a:latin typeface="Arial" panose="020B0604020202020204" pitchFamily="34" charset="0"/>
-                  <a:cs typeface="Arial" panose="020B0604020202020204" pitchFamily="34" charset="0"/>
-                </a:rPr>
-                <a:t>This shows the evolution of the velocity field of an incompressible plasma using shear force initial conditions. This module comes preloaded with </a:t>
-              </a:r>
-              <a:r>
-                <a:rPr lang="en-US" sz="4000" i="1" dirty="0">
-                  <a:latin typeface="Arial" panose="020B0604020202020204" pitchFamily="34" charset="0"/>
-                  <a:cs typeface="Arial" panose="020B0604020202020204" pitchFamily="34" charset="0"/>
-                </a:rPr>
-                <a:t>pyro.</a:t>
-              </a:r>
-              <a:endParaRPr lang="en-US" sz="4000" dirty="0">
-                <a:latin typeface="Arial" panose="020B0604020202020204" pitchFamily="34" charset="0"/>
-                <a:cs typeface="Arial" panose="020B0604020202020204" pitchFamily="34" charset="0"/>
-              </a:endParaRPr>
             </a:p>
           </p:txBody>
         </p:sp>
@@ -3473,10 +3332,10 @@
         </p:nvGrpSpPr>
         <p:grpSpPr>
           <a:xfrm>
-            <a:off x="20431365" y="2422482"/>
-            <a:ext cx="8908665" cy="8867691"/>
-            <a:chOff x="25332350" y="10940901"/>
-            <a:chExt cx="7419561" cy="8867691"/>
+            <a:off x="11767289" y="2749813"/>
+            <a:ext cx="10330276" cy="9806983"/>
+            <a:chOff x="25332349" y="10940901"/>
+            <a:chExt cx="7905973" cy="8867691"/>
           </a:xfrm>
         </p:grpSpPr>
         <p:pic>
@@ -3494,7 +3353,7 @@
             <p:nvPr/>
           </p:nvPicPr>
           <p:blipFill>
-            <a:blip r:embed="rId6">
+            <a:blip r:embed="rId4">
               <a:extLst>
                 <a:ext uri="{28A0092B-C50C-407E-A947-70E740481C1C}">
                   <a14:useLocalDpi xmlns:a14="http://schemas.microsoft.com/office/drawing/2010/main" val="0"/>
@@ -3507,7 +3366,7 @@
           </p:blipFill>
           <p:spPr>
             <a:xfrm>
-              <a:off x="25332350" y="10940901"/>
+              <a:off x="25332349" y="10940901"/>
               <a:ext cx="7419561" cy="5518299"/>
             </a:xfrm>
             <a:prstGeom prst="rect">
@@ -3530,7 +3389,7 @@
           <p:spPr>
             <a:xfrm>
               <a:off x="25332350" y="16638493"/>
-              <a:ext cx="7419561" cy="3170099"/>
+              <a:ext cx="7905972" cy="3170099"/>
             </a:xfrm>
             <a:prstGeom prst="rect">
               <a:avLst/>
@@ -3548,7 +3407,7 @@
                   <a:latin typeface="Arial" panose="020B0604020202020204" pitchFamily="34" charset="0"/>
                   <a:cs typeface="Arial" panose="020B0604020202020204" pitchFamily="34" charset="0"/>
                 </a:rPr>
-                <a:t>Figure 3: Results from out first code showing the changes in kinetic and magnetic energy over time. The equations were stiff and prevented long runs with our method.</a:t>
+                <a:t>Figure 2: Results from out first code showing the changes in kinetic and magnetic energy over time. Kinetic energy starts to decay around where magnetic energy starts to build up.</a:t>
               </a:r>
             </a:p>
           </p:txBody>
@@ -3568,10 +3427,10 @@
         </p:nvGrpSpPr>
         <p:grpSpPr>
           <a:xfrm>
-            <a:off x="10831294" y="11680686"/>
-            <a:ext cx="12913407" cy="7863389"/>
+            <a:off x="10632795" y="12587116"/>
+            <a:ext cx="12765866" cy="12993985"/>
             <a:chOff x="19838504" y="2510300"/>
-            <a:chExt cx="12913407" cy="7863389"/>
+            <a:chExt cx="12913407" cy="13332671"/>
           </a:xfrm>
         </p:grpSpPr>
         <p:grpSp>
@@ -3609,7 +3468,7 @@
               <p:nvPr/>
             </p:nvPicPr>
             <p:blipFill>
-              <a:blip r:embed="rId7">
+              <a:blip r:embed="rId5">
                 <a:extLst>
                   <a:ext uri="{28A0092B-C50C-407E-A947-70E740481C1C}">
                     <a14:useLocalDpi xmlns:a14="http://schemas.microsoft.com/office/drawing/2010/main" val="0"/>
@@ -3645,7 +3504,7 @@
               <p:nvPr/>
             </p:nvPicPr>
             <p:blipFill>
-              <a:blip r:embed="rId8">
+              <a:blip r:embed="rId6">
                 <a:extLst>
                   <a:ext uri="{28A0092B-C50C-407E-A947-70E740481C1C}">
                     <a14:useLocalDpi xmlns:a14="http://schemas.microsoft.com/office/drawing/2010/main" val="0"/>
@@ -3681,8 +3540,8 @@
           </p:nvSpPr>
           <p:spPr>
             <a:xfrm>
-              <a:off x="20343744" y="7203590"/>
-              <a:ext cx="12408167" cy="3170099"/>
+              <a:off x="20284512" y="11327049"/>
+              <a:ext cx="12408167" cy="4515922"/>
             </a:xfrm>
             <a:prstGeom prst="rect">
               <a:avLst/>
@@ -3700,7 +3559,7 @@
                   <a:latin typeface="Arial" panose="020B0604020202020204" pitchFamily="34" charset="0"/>
                   <a:cs typeface="Arial" panose="020B0604020202020204" pitchFamily="34" charset="0"/>
                 </a:rPr>
-                <a:t>Figure 2: The Taylor-Green Initial Conditions for the velocity (a) and magnetic (b) fields.  Kinetic energy from the decaying vortex will turn into magnetic energy. The magnetic field will evolve in time, as well, obeying the MHD equations.</a:t>
+                <a:t>Figure 3: Up close view of the TG Initial Conditions for the velocity (a) and magnetic (b) fields. Without any perturbation, this vortex will stay as it is. With a perturbation, the vortex will decay and give rise to a new velocity field and magnetic field. (c) and (d) show how these vortices in a grid decay and change the magnetic field.</a:t>
               </a:r>
             </a:p>
           </p:txBody>
@@ -3790,7 +3649,7 @@
         </p:nvSpPr>
         <p:spPr>
           <a:xfrm>
-            <a:off x="30328704" y="2748238"/>
+            <a:off x="25227240" y="2809774"/>
             <a:ext cx="5232400" cy="1015663"/>
           </a:xfrm>
           <a:prstGeom prst="rect">
@@ -3828,8 +3687,8 @@
         </p:nvSpPr>
         <p:spPr>
           <a:xfrm>
-            <a:off x="11013911" y="19544075"/>
-            <a:ext cx="14758504" cy="12926616"/>
+            <a:off x="10632795" y="26634729"/>
+            <a:ext cx="14758504" cy="5447645"/>
           </a:xfrm>
           <a:prstGeom prst="rect">
             <a:avLst/>
@@ -3851,29 +3710,33 @@
             </a:r>
           </a:p>
           <a:p>
-            <a:r>
-              <a:rPr lang="en-US" sz="5400" b="1" dirty="0"/>
-              <a:t>	</a:t>
-            </a:r>
+            <a:pPr marL="685800" indent="-685800">
+              <a:buFont typeface="Arial" panose="020B0604020202020204" pitchFamily="34" charset="0"/>
+              <a:buChar char="•"/>
+            </a:pPr>
             <a:r>
               <a:rPr lang="en-US" sz="4800" dirty="0"/>
-              <a:t>To approach this problem, we began by looking at the methods we knew to numerically solve differential equations. Our first approach used the method of finite differences to compute the spatial derivatives and a Euler step to compute how </a:t>
-            </a:r>
-            <a:r>
-              <a:rPr lang="en-US" sz="4800" b="1" dirty="0"/>
-              <a:t>B </a:t>
-            </a:r>
+              <a:t>First attempt: Finite Differences for spatial derivatives and Euler Step for time</a:t>
+            </a:r>
+          </a:p>
+          <a:p>
+            <a:pPr marL="685800" indent="-685800">
+              <a:buFont typeface="Arial" panose="020B0604020202020204" pitchFamily="34" charset="0"/>
+              <a:buChar char="•"/>
+            </a:pPr>
             <a:r>
               <a:rPr lang="en-US" sz="4800" dirty="0"/>
-              <a:t>and </a:t>
-            </a:r>
-            <a:r>
-              <a:rPr lang="en-US" sz="4800" b="1" dirty="0"/>
-              <a:t>U</a:t>
-            </a:r>
+              <a:t>Stiff equation resulted in large errors</a:t>
+            </a:r>
+          </a:p>
+          <a:p>
+            <a:pPr marL="685800" indent="-685800">
+              <a:buFont typeface="Arial" panose="020B0604020202020204" pitchFamily="34" charset="0"/>
+              <a:buChar char="•"/>
+            </a:pPr>
             <a:r>
               <a:rPr lang="en-US" sz="4800" dirty="0"/>
-              <a:t> changed in time. This proved impractical, as the equation required very small time steps to keep the error small. With this being computationally expensive, we looked into other ways to implement Taylor-Green dynamos in MHD. We turned to </a:t>
+              <a:t>Learning code for MHD, </a:t>
             </a:r>
             <a:r>
               <a:rPr lang="en-US" sz="4800" i="1" dirty="0"/>
@@ -3881,26 +3744,644 @@
             </a:r>
             <a:r>
               <a:rPr lang="en-US" sz="4800" dirty="0"/>
-              <a:t>[6,7] a learning code for MHD. This code has a solver built in and is a teaching code that requires students to write their own modules for the specific flows they want to study. We knew we could create the Taylor-Green initial conditions, as shown in Figure 2. For this reason, our next method was to try to make a module that could work with </a:t>
-            </a:r>
-            <a:r>
-              <a:rPr lang="en-US" sz="4800" i="1" dirty="0"/>
-              <a:t>pyro</a:t>
-            </a:r>
+              <a:t>[5], had an incompressible solver already developed</a:t>
+            </a:r>
+          </a:p>
+          <a:p>
+            <a:pPr marL="685800" indent="-685800">
+              <a:buFont typeface="Arial" panose="020B0604020202020204" pitchFamily="34" charset="0"/>
+              <a:buChar char="•"/>
+            </a:pPr>
             <a:r>
               <a:rPr lang="en-US" sz="4800" dirty="0"/>
-              <a:t>’s solver to give the desired outputs.</a:t>
-            </a:r>
-            <a:endParaRPr lang="en-US" sz="5400" b="1" dirty="0"/>
-          </a:p>
-        </p:txBody>
-      </p:sp>
+              <a:t>Used our initial conditions to make our own module</a:t>
+            </a:r>
+          </a:p>
+        </p:txBody>
+      </p:sp>
+      <p:grpSp>
+        <p:nvGrpSpPr>
+          <p:cNvPr id="12" name="Group 11">
+            <a:extLst>
+              <a:ext uri="{FF2B5EF4-FFF2-40B4-BE49-F238E27FC236}">
+                <a16:creationId xmlns:a16="http://schemas.microsoft.com/office/drawing/2014/main" id="{1A185D8E-5DFF-4577-9C31-E6C2DE091A04}"/>
+              </a:ext>
+            </a:extLst>
+          </p:cNvPr>
+          <p:cNvGrpSpPr/>
+          <p:nvPr/>
+        </p:nvGrpSpPr>
+        <p:grpSpPr>
+          <a:xfrm>
+            <a:off x="483116" y="19174963"/>
+            <a:ext cx="8490097" cy="3723877"/>
+            <a:chOff x="558194" y="18690132"/>
+            <a:chExt cx="8490097" cy="3723877"/>
+          </a:xfrm>
+        </p:grpSpPr>
+        <p:pic>
+          <p:nvPicPr>
+            <p:cNvPr id="39" name="Picture 38">
+              <a:extLst>
+                <a:ext uri="{FF2B5EF4-FFF2-40B4-BE49-F238E27FC236}">
+                  <a16:creationId xmlns:a16="http://schemas.microsoft.com/office/drawing/2014/main" id="{96299A85-932B-4A66-802C-B74F4792A129}"/>
+                </a:ext>
+              </a:extLst>
+            </p:cNvPr>
+            <p:cNvPicPr>
+              <a:picLocks noChangeAspect="1"/>
+            </p:cNvPicPr>
+            <p:nvPr/>
+          </p:nvPicPr>
+          <p:blipFill>
+            <a:blip r:embed="rId7">
+              <a:extLst>
+                <a:ext uri="{28A0092B-C50C-407E-A947-70E740481C1C}">
+                  <a14:useLocalDpi xmlns:a14="http://schemas.microsoft.com/office/drawing/2010/main" val="0"/>
+                </a:ext>
+              </a:extLst>
+            </a:blip>
+            <a:stretch>
+              <a:fillRect/>
+            </a:stretch>
+          </p:blipFill>
+          <p:spPr>
+            <a:xfrm>
+              <a:off x="558194" y="18690132"/>
+              <a:ext cx="8204309" cy="1935438"/>
+            </a:xfrm>
+            <a:prstGeom prst="rect">
+              <a:avLst/>
+            </a:prstGeom>
+          </p:spPr>
+        </p:pic>
+        <p:pic>
+          <p:nvPicPr>
+            <p:cNvPr id="41" name="Picture 40">
+              <a:extLst>
+                <a:ext uri="{FF2B5EF4-FFF2-40B4-BE49-F238E27FC236}">
+                  <a16:creationId xmlns:a16="http://schemas.microsoft.com/office/drawing/2014/main" id="{ED487E6D-7F5F-476B-BE23-61239B836128}"/>
+                </a:ext>
+              </a:extLst>
+            </p:cNvPr>
+            <p:cNvPicPr>
+              <a:picLocks noChangeAspect="1"/>
+            </p:cNvPicPr>
+            <p:nvPr/>
+          </p:nvPicPr>
+          <p:blipFill>
+            <a:blip r:embed="rId8">
+              <a:extLst>
+                <a:ext uri="{28A0092B-C50C-407E-A947-70E740481C1C}">
+                  <a14:useLocalDpi xmlns:a14="http://schemas.microsoft.com/office/drawing/2010/main" val="0"/>
+                </a:ext>
+              </a:extLst>
+            </a:blip>
+            <a:stretch>
+              <a:fillRect/>
+            </a:stretch>
+          </p:blipFill>
+          <p:spPr>
+            <a:xfrm>
+              <a:off x="843984" y="20625570"/>
+              <a:ext cx="8204307" cy="1788439"/>
+            </a:xfrm>
+            <a:prstGeom prst="rect">
+              <a:avLst/>
+            </a:prstGeom>
+          </p:spPr>
+        </p:pic>
+      </p:grpSp>
+      <p:sp>
+        <p:nvSpPr>
+          <p:cNvPr id="42" name="TextBox 41">
+            <a:extLst>
+              <a:ext uri="{FF2B5EF4-FFF2-40B4-BE49-F238E27FC236}">
+                <a16:creationId xmlns:a16="http://schemas.microsoft.com/office/drawing/2014/main" id="{8252FDEF-3F06-4899-A22E-41D01FACBBCA}"/>
+              </a:ext>
+            </a:extLst>
+          </p:cNvPr>
+          <p:cNvSpPr txBox="1"/>
+          <p:nvPr/>
+        </p:nvSpPr>
+        <p:spPr>
+          <a:xfrm>
+            <a:off x="25974982" y="14674124"/>
+            <a:ext cx="17433102" cy="9140964"/>
+          </a:xfrm>
+          <a:prstGeom prst="rect">
+            <a:avLst/>
+          </a:prstGeom>
+          <a:solidFill>
+            <a:schemeClr val="bg1"/>
+          </a:solidFill>
+        </p:spPr>
+        <p:txBody>
+          <a:bodyPr wrap="square" rtlCol="0">
+            <a:spAutoFit/>
+          </a:bodyPr>
+          <a:lstStyle/>
+          <a:p>
+            <a:pPr algn="ctr"/>
+            <a:r>
+              <a:rPr lang="en-US" sz="6000" b="1" dirty="0"/>
+              <a:t>4. Conclusions</a:t>
+            </a:r>
+          </a:p>
+          <a:p>
+            <a:pPr marL="857250" indent="-857250">
+              <a:buFont typeface="Arial" panose="020B0604020202020204" pitchFamily="34" charset="0"/>
+              <a:buChar char="•"/>
+            </a:pPr>
+            <a:r>
+              <a:rPr lang="en-US" sz="4800" dirty="0"/>
+              <a:t>MHD equations result in stiff equation and require advanced numerical methods</a:t>
+            </a:r>
+          </a:p>
+          <a:p>
+            <a:pPr marL="857250" indent="-857250">
+              <a:buFont typeface="Arial" panose="020B0604020202020204" pitchFamily="34" charset="0"/>
+              <a:buChar char="•"/>
+            </a:pPr>
+            <a:r>
+              <a:rPr lang="en-US" sz="4800" dirty="0"/>
+              <a:t>TG vortices require some perturbation to start decaying and build up magnetic field</a:t>
+            </a:r>
+          </a:p>
+          <a:p>
+            <a:pPr marL="857250" indent="-857250">
+              <a:buFont typeface="Arial" panose="020B0604020202020204" pitchFamily="34" charset="0"/>
+              <a:buChar char="•"/>
+            </a:pPr>
+            <a:r>
+              <a:rPr lang="en-US" sz="4800" dirty="0"/>
+              <a:t>With the symmetry broken, there is turbulent flow and decaying dynamos</a:t>
+            </a:r>
+          </a:p>
+          <a:p>
+            <a:pPr marL="857250" indent="-857250">
+              <a:buFont typeface="Arial" panose="020B0604020202020204" pitchFamily="34" charset="0"/>
+              <a:buChar char="•"/>
+            </a:pPr>
+            <a:r>
+              <a:rPr lang="en-US" sz="4800" dirty="0"/>
+              <a:t>The decay leads to the build up of a magnetic field</a:t>
+            </a:r>
+          </a:p>
+          <a:p>
+            <a:pPr marL="857250" indent="-857250">
+              <a:buFont typeface="Arial" panose="020B0604020202020204" pitchFamily="34" charset="0"/>
+              <a:buChar char="•"/>
+            </a:pPr>
+            <a:r>
+              <a:rPr lang="en-US" sz="4800" dirty="0"/>
+              <a:t>Our perturbation was a simple bump to demonstrate how this works</a:t>
+            </a:r>
+          </a:p>
+          <a:p>
+            <a:pPr marL="857250" indent="-857250">
+              <a:buFont typeface="Arial" panose="020B0604020202020204" pitchFamily="34" charset="0"/>
+              <a:buChar char="•"/>
+            </a:pPr>
+            <a:r>
+              <a:rPr lang="en-US" sz="4800" b="1"/>
+              <a:t>Outlook</a:t>
+            </a:r>
+            <a:r>
+              <a:rPr lang="en-US" sz="4800" b="1" dirty="0"/>
+              <a:t>: </a:t>
+            </a:r>
+            <a:r>
+              <a:rPr lang="en-US" sz="4800" dirty="0"/>
+              <a:t>Look at different types/sizes of perturbations, physical considerations to see how it impacts growth of B field. </a:t>
+            </a:r>
+            <a:endParaRPr lang="en-US" sz="4800" b="1" dirty="0"/>
+          </a:p>
+        </p:txBody>
+      </p:sp>
+      <p:sp>
+        <p:nvSpPr>
+          <p:cNvPr id="43" name="TextBox 42">
+            <a:extLst>
+              <a:ext uri="{FF2B5EF4-FFF2-40B4-BE49-F238E27FC236}">
+                <a16:creationId xmlns:a16="http://schemas.microsoft.com/office/drawing/2014/main" id="{1A723743-4E2D-4A8C-87B4-24434046C385}"/>
+              </a:ext>
+            </a:extLst>
+          </p:cNvPr>
+          <p:cNvSpPr txBox="1"/>
+          <p:nvPr/>
+        </p:nvSpPr>
+        <p:spPr>
+          <a:xfrm>
+            <a:off x="26131550" y="24458113"/>
+            <a:ext cx="17433102" cy="8217634"/>
+          </a:xfrm>
+          <a:prstGeom prst="rect">
+            <a:avLst/>
+          </a:prstGeom>
+          <a:solidFill>
+            <a:schemeClr val="bg1"/>
+          </a:solidFill>
+        </p:spPr>
+        <p:txBody>
+          <a:bodyPr wrap="square" rtlCol="0">
+            <a:spAutoFit/>
+          </a:bodyPr>
+          <a:lstStyle/>
+          <a:p>
+            <a:pPr algn="ctr"/>
+            <a:r>
+              <a:rPr lang="en-US" sz="6000" b="1" dirty="0"/>
+              <a:t>5. References</a:t>
+            </a:r>
+          </a:p>
+          <a:p>
+            <a:r>
+              <a:rPr lang="en-US" sz="3600" b="1" dirty="0"/>
+              <a:t>[1] </a:t>
+            </a:r>
+            <a:r>
+              <a:rPr lang="en-US" sz="3600" dirty="0"/>
+              <a:t>D. G</a:t>
+            </a:r>
+            <a:r>
+              <a:rPr lang="el-GR" sz="3600" dirty="0"/>
+              <a:t>ό</a:t>
+            </a:r>
+            <a:r>
+              <a:rPr lang="en-US" sz="3600" dirty="0" err="1"/>
+              <a:t>mez</a:t>
+            </a:r>
+            <a:r>
+              <a:rPr lang="en-US" sz="3600" dirty="0"/>
+              <a:t>, P. </a:t>
+            </a:r>
+            <a:r>
+              <a:rPr lang="en-US" sz="3600" dirty="0" err="1"/>
+              <a:t>Minni</a:t>
+            </a:r>
+            <a:r>
+              <a:rPr lang="en-US" sz="3600" dirty="0"/>
+              <a:t>, P. </a:t>
+            </a:r>
+            <a:r>
+              <a:rPr lang="en-US" sz="3600" dirty="0" err="1"/>
+              <a:t>Dmitruk</a:t>
+            </a:r>
+            <a:r>
+              <a:rPr lang="en-US" sz="3600" dirty="0"/>
+              <a:t>, MHD simulations and astrophysical applications, </a:t>
+            </a:r>
+            <a:r>
+              <a:rPr lang="en-US" sz="3600" i="1" dirty="0"/>
+              <a:t>Advances in Space Research</a:t>
+            </a:r>
+            <a:r>
+              <a:rPr lang="en-US" sz="3600" dirty="0"/>
+              <a:t>, </a:t>
+            </a:r>
+            <a:r>
+              <a:rPr lang="en-US" sz="3600" b="1" dirty="0"/>
+              <a:t>35</a:t>
+            </a:r>
+            <a:r>
+              <a:rPr lang="en-US" sz="3600" dirty="0"/>
+              <a:t>, (2005).</a:t>
+            </a:r>
+            <a:endParaRPr lang="en-US" sz="3600" b="1" dirty="0"/>
+          </a:p>
+          <a:p>
+            <a:r>
+              <a:rPr lang="en-US" sz="3600" b="1" dirty="0"/>
+              <a:t>[2] </a:t>
+            </a:r>
+            <a:r>
+              <a:rPr lang="en-US" sz="3600" dirty="0"/>
+              <a:t>A. </a:t>
+            </a:r>
+            <a:r>
+              <a:rPr lang="en-US" sz="3600" dirty="0" err="1"/>
+              <a:t>Pouquet</a:t>
+            </a:r>
+            <a:r>
+              <a:rPr lang="en-US" sz="3600" dirty="0"/>
+              <a:t> et. Al, The dynamics of unforced turbulence at high Reynolds number for Taylor-Green vortices generalized to MHD, </a:t>
+            </a:r>
+            <a:r>
+              <a:rPr lang="en-US" sz="3600" i="1" dirty="0"/>
+              <a:t>Geophysical &amp; Astrophysical Fluid Dynamics</a:t>
+            </a:r>
+            <a:r>
+              <a:rPr lang="en-US" sz="3600" dirty="0"/>
+              <a:t>, </a:t>
+            </a:r>
+            <a:r>
+              <a:rPr lang="en-US" sz="3600" b="1" dirty="0"/>
+              <a:t>104</a:t>
+            </a:r>
+            <a:r>
+              <a:rPr lang="en-US" sz="3600" dirty="0"/>
+              <a:t>(2-3), (2010).</a:t>
+            </a:r>
+            <a:endParaRPr lang="en-US" sz="3600" b="1" dirty="0"/>
+          </a:p>
+          <a:p>
+            <a:r>
+              <a:rPr lang="en-US" sz="3600" b="1" dirty="0"/>
+              <a:t>[3] </a:t>
+            </a:r>
+            <a:r>
+              <a:rPr lang="en-US" sz="3600" dirty="0" err="1"/>
+              <a:t>C.Nore</a:t>
+            </a:r>
+            <a:r>
+              <a:rPr lang="en-US" sz="3600" dirty="0"/>
+              <a:t>, M. </a:t>
+            </a:r>
+            <a:r>
+              <a:rPr lang="en-US" sz="3600" dirty="0" err="1"/>
+              <a:t>Brachet</a:t>
+            </a:r>
+            <a:r>
+              <a:rPr lang="en-US" sz="3600" dirty="0"/>
+              <a:t>, H. </a:t>
+            </a:r>
+            <a:r>
+              <a:rPr lang="en-US" sz="3600" dirty="0" err="1"/>
+              <a:t>Politano</a:t>
+            </a:r>
+            <a:r>
+              <a:rPr lang="en-US" sz="3600" dirty="0"/>
+              <a:t>, and A. </a:t>
+            </a:r>
+            <a:r>
+              <a:rPr lang="en-US" sz="3600" dirty="0" err="1"/>
+              <a:t>Pouquet</a:t>
+            </a:r>
+            <a:r>
+              <a:rPr lang="en-US" sz="3600" dirty="0"/>
+              <a:t>, Dynamo action in the Taylor-Green vortex near threshold, </a:t>
+            </a:r>
+            <a:r>
+              <a:rPr lang="en-US" sz="3600" i="1" dirty="0"/>
+              <a:t>Physics of Plasma</a:t>
+            </a:r>
+            <a:r>
+              <a:rPr lang="en-US" sz="3600" dirty="0"/>
+              <a:t>, </a:t>
+            </a:r>
+            <a:r>
+              <a:rPr lang="en-US" sz="3600" b="1" dirty="0"/>
+              <a:t>4</a:t>
+            </a:r>
+            <a:r>
+              <a:rPr lang="en-US" sz="3600" dirty="0"/>
+              <a:t>(1), (1997).</a:t>
+            </a:r>
+            <a:endParaRPr lang="en-US" sz="3600" b="1" dirty="0"/>
+          </a:p>
+          <a:p>
+            <a:r>
+              <a:rPr lang="en-US" sz="3600" b="1" dirty="0"/>
+              <a:t>[4] </a:t>
+            </a:r>
+            <a:r>
+              <a:rPr lang="en-US" sz="3600" dirty="0"/>
+              <a:t>G. Taylor and A. Green, Mechanism of the Production of Small Eddies from Large Ones, </a:t>
+            </a:r>
+            <a:r>
+              <a:rPr lang="en-US" sz="3600" i="1" dirty="0"/>
+              <a:t>Proceedings of the Royal Society A, </a:t>
+            </a:r>
+            <a:r>
+              <a:rPr lang="en-US" sz="3600" b="1" dirty="0"/>
+              <a:t>158</a:t>
+            </a:r>
+            <a:r>
+              <a:rPr lang="en-US" sz="3600" dirty="0"/>
+              <a:t>, (1936).</a:t>
+            </a:r>
+            <a:endParaRPr lang="en-US" sz="3600" b="1" dirty="0"/>
+          </a:p>
+          <a:p>
+            <a:r>
+              <a:rPr lang="en-US" sz="3600" b="1" dirty="0"/>
+              <a:t>[5] </a:t>
+            </a:r>
+            <a:r>
+              <a:rPr lang="en-US" sz="3600" dirty="0"/>
+              <a:t>M. </a:t>
+            </a:r>
+            <a:r>
+              <a:rPr lang="en-US" sz="3600" dirty="0" err="1"/>
+              <a:t>Zingale</a:t>
+            </a:r>
+            <a:r>
+              <a:rPr lang="en-US" sz="3600" dirty="0"/>
+              <a:t>, pyro: A teaching code for computational astrophysical hydrodynamics, </a:t>
+            </a:r>
+            <a:r>
+              <a:rPr lang="en-US" sz="3600" dirty="0" err="1"/>
+              <a:t>arXiv</a:t>
+            </a:r>
+            <a:r>
+              <a:rPr lang="en-US" sz="3600" dirty="0"/>
+              <a:t>: 1306.6883v3 [astro-ph.IM], (2014). Code available from https://github.com/zingale/pyro2</a:t>
+            </a:r>
+            <a:endParaRPr lang="en-US" sz="3600" b="1" dirty="0"/>
+          </a:p>
+          <a:p>
+            <a:r>
+              <a:rPr lang="en-US" sz="3600" b="1" dirty="0"/>
+              <a:t>[6]</a:t>
+            </a:r>
+            <a:r>
+              <a:rPr lang="en-US" sz="3600" dirty="0"/>
+              <a:t> T. Pereira and J.M. </a:t>
+            </a:r>
+            <a:r>
+              <a:rPr lang="en-US" sz="3600" dirty="0" err="1"/>
+              <a:t>Sykora</a:t>
+            </a:r>
+            <a:r>
+              <a:rPr lang="en-US" sz="3600" dirty="0"/>
+              <a:t>, Uncovering the Sun’s Swirling Jets, NASA@SC17, https://www.nasa.gov/SC17/demos/demo17.htm</a:t>
+            </a:r>
+          </a:p>
+        </p:txBody>
+      </p:sp>
+      <p:grpSp>
+        <p:nvGrpSpPr>
+          <p:cNvPr id="14" name="Group 13">
+            <a:extLst>
+              <a:ext uri="{FF2B5EF4-FFF2-40B4-BE49-F238E27FC236}">
+                <a16:creationId xmlns:a16="http://schemas.microsoft.com/office/drawing/2014/main" id="{046CCAA0-866E-45C2-8B87-553FD7B3E601}"/>
+              </a:ext>
+            </a:extLst>
+          </p:cNvPr>
+          <p:cNvGrpSpPr/>
+          <p:nvPr/>
+        </p:nvGrpSpPr>
+        <p:grpSpPr>
+          <a:xfrm>
+            <a:off x="28092461" y="4970693"/>
+            <a:ext cx="13511280" cy="8755097"/>
+            <a:chOff x="10501660" y="18984420"/>
+            <a:chExt cx="13511280" cy="8755097"/>
+          </a:xfrm>
+        </p:grpSpPr>
+        <p:grpSp>
+          <p:nvGrpSpPr>
+            <p:cNvPr id="38" name="Group 37">
+              <a:extLst>
+                <a:ext uri="{FF2B5EF4-FFF2-40B4-BE49-F238E27FC236}">
+                  <a16:creationId xmlns:a16="http://schemas.microsoft.com/office/drawing/2014/main" id="{655A14D2-393C-4450-B60F-FB246B315C09}"/>
+                </a:ext>
+              </a:extLst>
+            </p:cNvPr>
+            <p:cNvGrpSpPr/>
+            <p:nvPr/>
+          </p:nvGrpSpPr>
+          <p:grpSpPr>
+            <a:xfrm>
+              <a:off x="10620930" y="18984420"/>
+              <a:ext cx="13392010" cy="5441724"/>
+              <a:chOff x="27289854" y="3598071"/>
+              <a:chExt cx="15787847" cy="5920442"/>
+            </a:xfrm>
+          </p:grpSpPr>
+          <p:pic>
+            <p:nvPicPr>
+              <p:cNvPr id="40" name="Picture 39">
+                <a:extLst>
+                  <a:ext uri="{FF2B5EF4-FFF2-40B4-BE49-F238E27FC236}">
+                    <a16:creationId xmlns:a16="http://schemas.microsoft.com/office/drawing/2014/main" id="{3D31443E-3FBC-4ADD-BCA1-CFF7BF31C6DC}"/>
+                  </a:ext>
+                </a:extLst>
+              </p:cNvPr>
+              <p:cNvPicPr>
+                <a:picLocks noChangeAspect="1"/>
+              </p:cNvPicPr>
+              <p:nvPr/>
+            </p:nvPicPr>
+            <p:blipFill>
+              <a:blip r:embed="rId9">
+                <a:extLst>
+                  <a:ext uri="{28A0092B-C50C-407E-A947-70E740481C1C}">
+                    <a14:useLocalDpi xmlns:a14="http://schemas.microsoft.com/office/drawing/2010/main" val="0"/>
+                  </a:ext>
+                </a:extLst>
+              </a:blip>
+              <a:stretch>
+                <a:fillRect/>
+              </a:stretch>
+            </p:blipFill>
+            <p:spPr>
+              <a:xfrm>
+                <a:off x="35183778" y="3598071"/>
+                <a:ext cx="7893923" cy="5920442"/>
+              </a:xfrm>
+              <a:prstGeom prst="rect">
+                <a:avLst/>
+              </a:prstGeom>
+            </p:spPr>
+          </p:pic>
+          <p:pic>
+            <p:nvPicPr>
+              <p:cNvPr id="44" name="Picture 43">
+                <a:extLst>
+                  <a:ext uri="{FF2B5EF4-FFF2-40B4-BE49-F238E27FC236}">
+                    <a16:creationId xmlns:a16="http://schemas.microsoft.com/office/drawing/2014/main" id="{976E580B-917C-434F-B186-E404FEDEB9D6}"/>
+                  </a:ext>
+                </a:extLst>
+              </p:cNvPr>
+              <p:cNvPicPr>
+                <a:picLocks noChangeAspect="1"/>
+              </p:cNvPicPr>
+              <p:nvPr/>
+            </p:nvPicPr>
+            <p:blipFill>
+              <a:blip r:embed="rId10">
+                <a:extLst>
+                  <a:ext uri="{28A0092B-C50C-407E-A947-70E740481C1C}">
+                    <a14:useLocalDpi xmlns:a14="http://schemas.microsoft.com/office/drawing/2010/main" val="0"/>
+                  </a:ext>
+                </a:extLst>
+              </a:blip>
+              <a:stretch>
+                <a:fillRect/>
+              </a:stretch>
+            </p:blipFill>
+            <p:spPr>
+              <a:xfrm>
+                <a:off x="27289854" y="3598071"/>
+                <a:ext cx="7893923" cy="5920442"/>
+              </a:xfrm>
+              <a:prstGeom prst="rect">
+                <a:avLst/>
+              </a:prstGeom>
+            </p:spPr>
+          </p:pic>
+        </p:grpSp>
+        <p:sp>
+          <p:nvSpPr>
+            <p:cNvPr id="13" name="TextBox 12">
+              <a:extLst>
+                <a:ext uri="{FF2B5EF4-FFF2-40B4-BE49-F238E27FC236}">
+                  <a16:creationId xmlns:a16="http://schemas.microsoft.com/office/drawing/2014/main" id="{1FFA8ACF-E382-4C23-B87F-742788C6293D}"/>
+                </a:ext>
+              </a:extLst>
+            </p:cNvPr>
+            <p:cNvSpPr txBox="1"/>
+            <p:nvPr/>
+          </p:nvSpPr>
+          <p:spPr>
+            <a:xfrm>
+              <a:off x="10501660" y="24569418"/>
+              <a:ext cx="13511280" cy="3170099"/>
+            </a:xfrm>
+            <a:prstGeom prst="rect">
+              <a:avLst/>
+            </a:prstGeom>
+            <a:noFill/>
+          </p:spPr>
+          <p:txBody>
+            <a:bodyPr wrap="square" rtlCol="0">
+              <a:spAutoFit/>
+            </a:bodyPr>
+            <a:lstStyle/>
+            <a:p>
+              <a:r>
+                <a:rPr lang="en-US" sz="4000" dirty="0">
+                  <a:latin typeface="Arial" panose="020B0604020202020204" pitchFamily="34" charset="0"/>
+                  <a:cs typeface="Arial" panose="020B0604020202020204" pitchFamily="34" charset="0"/>
+                </a:rPr>
+                <a:t>Figure 4: Decaying TG vortices near the end of one of our </a:t>
+              </a:r>
+              <a:r>
+                <a:rPr lang="en-US" sz="4000" i="1" dirty="0">
+                  <a:latin typeface="Arial" panose="020B0604020202020204" pitchFamily="34" charset="0"/>
+                  <a:cs typeface="Arial" panose="020B0604020202020204" pitchFamily="34" charset="0"/>
+                </a:rPr>
+                <a:t>pyro</a:t>
+              </a:r>
+              <a:r>
+                <a:rPr lang="en-US" sz="4000" dirty="0">
+                  <a:latin typeface="Arial" panose="020B0604020202020204" pitchFamily="34" charset="0"/>
+                  <a:cs typeface="Arial" panose="020B0604020202020204" pitchFamily="34" charset="0"/>
+                </a:rPr>
+                <a:t> module. A small perturbation was introduced at the bottom left corner of the grid and led to the decay. As in Figures 2 and 3, this decay will lead to the build up of a magnetic field.</a:t>
+              </a:r>
+            </a:p>
+          </p:txBody>
+        </p:sp>
+      </p:grpSp>
       <p:pic>
         <p:nvPicPr>
-          <p:cNvPr id="39" name="Picture 38">
+          <p:cNvPr id="19" name="Picture 18">
             <a:extLst>
               <a:ext uri="{FF2B5EF4-FFF2-40B4-BE49-F238E27FC236}">
-                <a16:creationId xmlns:a16="http://schemas.microsoft.com/office/drawing/2014/main" id="{96299A85-932B-4A66-802C-B74F4792A129}"/>
+                <a16:creationId xmlns:a16="http://schemas.microsoft.com/office/drawing/2014/main" id="{2A49B440-AB3D-4761-A651-BF0E34ADBA0B}"/>
               </a:ext>
             </a:extLst>
           </p:cNvPr>
@@ -3910,7 +4391,7 @@
           <p:nvPr/>
         </p:nvPicPr>
         <p:blipFill>
-          <a:blip r:embed="rId9">
+          <a:blip r:embed="rId11">
             <a:extLst>
               <a:ext uri="{28A0092B-C50C-407E-A947-70E740481C1C}">
                 <a14:useLocalDpi xmlns:a14="http://schemas.microsoft.com/office/drawing/2010/main" val="0"/>
@@ -3923,8 +4404,8 @@
         </p:blipFill>
         <p:spPr>
           <a:xfrm>
-            <a:off x="1328437" y="19985226"/>
-            <a:ext cx="8204309" cy="1935438"/>
+            <a:off x="19137114" y="16759796"/>
+            <a:ext cx="4261546" cy="4240237"/>
           </a:xfrm>
           <a:prstGeom prst="rect">
             <a:avLst/>
@@ -3933,10 +4414,10 @@
       </p:pic>
       <p:pic>
         <p:nvPicPr>
-          <p:cNvPr id="41" name="Picture 40">
+          <p:cNvPr id="23" name="Picture 22">
             <a:extLst>
               <a:ext uri="{FF2B5EF4-FFF2-40B4-BE49-F238E27FC236}">
-                <a16:creationId xmlns:a16="http://schemas.microsoft.com/office/drawing/2014/main" id="{ED487E6D-7F5F-476B-BE23-61239B836128}"/>
+                <a16:creationId xmlns:a16="http://schemas.microsoft.com/office/drawing/2014/main" id="{4CAD8E7C-B4C5-4FF0-A4D8-4DF5851A47B8}"/>
               </a:ext>
             </a:extLst>
           </p:cNvPr>
@@ -3946,7 +4427,7 @@
           <p:nvPr/>
         </p:nvPicPr>
         <p:blipFill>
-          <a:blip r:embed="rId10">
+          <a:blip r:embed="rId12">
             <a:extLst>
               <a:ext uri="{28A0092B-C50C-407E-A947-70E740481C1C}">
                 <a14:useLocalDpi xmlns:a14="http://schemas.microsoft.com/office/drawing/2010/main" val="0"/>
@@ -3959,8 +4440,8 @@
         </p:blipFill>
         <p:spPr>
           <a:xfrm>
-            <a:off x="1396893" y="27837624"/>
-            <a:ext cx="8204307" cy="1788439"/>
+            <a:off x="10632795" y="16724942"/>
+            <a:ext cx="8654093" cy="4305411"/>
           </a:xfrm>
           <a:prstGeom prst="rect">
             <a:avLst/>
@@ -3969,10 +4450,10 @@
       </p:pic>
       <p:sp>
         <p:nvSpPr>
-          <p:cNvPr id="42" name="TextBox 41">
+          <p:cNvPr id="32" name="TextBox 31">
             <a:extLst>
               <a:ext uri="{FF2B5EF4-FFF2-40B4-BE49-F238E27FC236}">
-                <a16:creationId xmlns:a16="http://schemas.microsoft.com/office/drawing/2014/main" id="{8252FDEF-3F06-4899-A22E-41D01FACBBCA}"/>
+                <a16:creationId xmlns:a16="http://schemas.microsoft.com/office/drawing/2014/main" id="{D272FF99-AAEF-427B-94AB-E8E58BA34459}"/>
               </a:ext>
             </a:extLst>
           </p:cNvPr>
@@ -3981,15 +4462,13 @@
         </p:nvSpPr>
         <p:spPr>
           <a:xfrm>
-            <a:off x="26496756" y="13935153"/>
-            <a:ext cx="17433102" cy="7109639"/>
+            <a:off x="10781701" y="16987649"/>
+            <a:ext cx="1033670" cy="707886"/>
           </a:xfrm>
           <a:prstGeom prst="rect">
             <a:avLst/>
           </a:prstGeom>
-          <a:solidFill>
-            <a:schemeClr val="bg1"/>
-          </a:solidFill>
+          <a:noFill/>
         </p:spPr>
         <p:txBody>
           <a:bodyPr wrap="square" rtlCol="0">
@@ -3997,31 +4476,19 @@
           </a:bodyPr>
           <a:lstStyle/>
           <a:p>
-            <a:pPr algn="ctr"/>
-            <a:r>
-              <a:rPr lang="en-US" sz="6000" dirty="0"/>
-              <a:t>4. Conclusions</a:t>
-            </a:r>
-          </a:p>
-          <a:p>
-            <a:r>
-              <a:rPr lang="en-US" sz="6000" dirty="0"/>
-              <a:t>	</a:t>
-            </a:r>
-            <a:r>
-              <a:rPr lang="en-US" sz="4800" dirty="0"/>
-              <a:t>The MHD equations resulted in a set of stiff equations that could not be solved with the numerical methods that we were familiar with. After searching other methods to solve these equations numerically, we realized the best course of action would be to write a module for an existing solver. This project taught us about the complexity of solving physical problems numerically in addition to providing an opportunity to study an interesting physical phenomenon.   </a:t>
-            </a:r>
-            <a:endParaRPr lang="en-US" sz="6000" dirty="0"/>
-          </a:p>
-        </p:txBody>
-      </p:sp>
-      <p:sp>
-        <p:nvSpPr>
-          <p:cNvPr id="43" name="TextBox 42">
+            <a:r>
+              <a:rPr lang="en-US" sz="4000" dirty="0"/>
+              <a:t>c)</a:t>
+            </a:r>
+          </a:p>
+        </p:txBody>
+      </p:sp>
+      <p:sp>
+        <p:nvSpPr>
+          <p:cNvPr id="45" name="TextBox 44">
             <a:extLst>
               <a:ext uri="{FF2B5EF4-FFF2-40B4-BE49-F238E27FC236}">
-                <a16:creationId xmlns:a16="http://schemas.microsoft.com/office/drawing/2014/main" id="{1A723743-4E2D-4A8C-87B4-24434046C385}"/>
+                <a16:creationId xmlns:a16="http://schemas.microsoft.com/office/drawing/2014/main" id="{5ADA79A3-07C7-4DC7-A099-FF7094986009}"/>
               </a:ext>
             </a:extLst>
           </p:cNvPr>
@@ -4030,15 +4497,13 @@
         </p:nvSpPr>
         <p:spPr>
           <a:xfrm>
-            <a:off x="26332714" y="24537918"/>
-            <a:ext cx="16459200" cy="4893647"/>
+            <a:off x="18691948" y="16987649"/>
+            <a:ext cx="1033670" cy="707886"/>
           </a:xfrm>
           <a:prstGeom prst="rect">
             <a:avLst/>
           </a:prstGeom>
-          <a:solidFill>
-            <a:schemeClr val="bg1"/>
-          </a:solidFill>
+          <a:noFill/>
         </p:spPr>
         <p:txBody>
           <a:bodyPr wrap="square" rtlCol="0">
@@ -4046,52 +4511,9 @@
           </a:bodyPr>
           <a:lstStyle/>
           <a:p>
-            <a:pPr algn="ctr"/>
-            <a:r>
-              <a:rPr lang="en-US" sz="6000" b="1" dirty="0"/>
-              <a:t>5. References</a:t>
-            </a:r>
-          </a:p>
-          <a:p>
-            <a:r>
-              <a:rPr lang="en-US" sz="3600" b="1" dirty="0"/>
-              <a:t>[1]</a:t>
-            </a:r>
-          </a:p>
-          <a:p>
-            <a:r>
-              <a:rPr lang="en-US" sz="3600" b="1" dirty="0"/>
-              <a:t>[2]</a:t>
-            </a:r>
-          </a:p>
-          <a:p>
-            <a:r>
-              <a:rPr lang="en-US" sz="3600" b="1" dirty="0"/>
-              <a:t>[3]</a:t>
-            </a:r>
-          </a:p>
-          <a:p>
-            <a:r>
-              <a:rPr lang="en-US" sz="3600" b="1" dirty="0"/>
-              <a:t>[4]</a:t>
-            </a:r>
-          </a:p>
-          <a:p>
-            <a:r>
-              <a:rPr lang="en-US" sz="3600" b="1" dirty="0"/>
-              <a:t>[5]</a:t>
-            </a:r>
-          </a:p>
-          <a:p>
-            <a:r>
-              <a:rPr lang="en-US" sz="3600" b="1" dirty="0"/>
-              <a:t>[6]</a:t>
-            </a:r>
-          </a:p>
-          <a:p>
-            <a:r>
-              <a:rPr lang="en-US" sz="3600" b="1" dirty="0"/>
-              <a:t>[7]</a:t>
+            <a:r>
+              <a:rPr lang="en-US" sz="4000" dirty="0"/>
+              <a:t>d)</a:t>
             </a:r>
           </a:p>
         </p:txBody>
